--- a/Leertaken/SLM2/Cloud service presentatie.pptx
+++ b/Leertaken/SLM2/Cloud service presentatie.pptx
@@ -5,10 +5,10 @@
     <p:sldMasterId id="2147483648" r:id="rId2"/>
   </p:sldMasterIdLst>
   <p:notesMasterIdLst>
-    <p:notesMasterId r:id="rId10"/>
+    <p:notesMasterId r:id="rId11"/>
   </p:notesMasterIdLst>
   <p:handoutMasterIdLst>
-    <p:handoutMasterId r:id="rId11"/>
+    <p:handoutMasterId r:id="rId12"/>
   </p:handoutMasterIdLst>
   <p:sldIdLst>
     <p:sldId id="256" r:id="rId3"/>
@@ -18,6 +18,7 @@
     <p:sldId id="274" r:id="rId7"/>
     <p:sldId id="265" r:id="rId8"/>
     <p:sldId id="275" r:id="rId9"/>
+    <p:sldId id="276" r:id="rId10"/>
   </p:sldIdLst>
   <p:sldSz cx="12188825" cy="6858000"/>
   <p:notesSz cx="6858000" cy="9144000"/>
@@ -47185,6 +47186,18 @@
               <a:rPr lang="nl-NL" dirty="0" smtClean="0"/>
               <a:t>Voorbeeldsituatie</a:t>
             </a:r>
+          </a:p>
+          <a:p>
+            <a:r>
+              <a:rPr lang="nl-NL" dirty="0" smtClean="0"/>
+              <a:t>Conclusie</a:t>
+            </a:r>
+          </a:p>
+          <a:p>
+            <a:r>
+              <a:rPr lang="nl-NL" dirty="0" smtClean="0"/>
+              <a:t>Vragen</a:t>
+            </a:r>
             <a:endParaRPr lang="en-US" dirty="0" smtClean="0"/>
           </a:p>
           <a:p>
@@ -48268,6 +48281,71 @@
 </p:sld>
 </file>
 
+<file path=ppt/slides/slide8.xml><?xml version="1.0" encoding="utf-8"?>
+<p:sld xmlns:a="http://schemas.openxmlformats.org/drawingml/2006/main" xmlns:r="http://schemas.openxmlformats.org/officeDocument/2006/relationships" xmlns:p="http://schemas.openxmlformats.org/presentationml/2006/main">
+  <p:cSld>
+    <p:spTree>
+      <p:nvGrpSpPr>
+        <p:cNvPr id="1" name=""/>
+        <p:cNvGrpSpPr/>
+        <p:nvPr/>
+      </p:nvGrpSpPr>
+      <p:grpSpPr>
+        <a:xfrm>
+          <a:off x="0" y="0"/>
+          <a:ext cx="0" cy="0"/>
+          <a:chOff x="0" y="0"/>
+          <a:chExt cx="0" cy="0"/>
+        </a:xfrm>
+      </p:grpSpPr>
+      <p:sp>
+        <p:nvSpPr>
+          <p:cNvPr id="2" name="Title 1"/>
+          <p:cNvSpPr>
+            <a:spLocks noGrp="1"/>
+          </p:cNvSpPr>
+          <p:nvPr>
+            <p:ph type="title"/>
+          </p:nvPr>
+        </p:nvSpPr>
+        <p:spPr/>
+        <p:txBody>
+          <a:bodyPr/>
+          <a:lstStyle/>
+          <a:p>
+            <a:r>
+              <a:rPr lang="nl-NL" dirty="0" smtClean="0"/>
+              <a:t>Vragen?</a:t>
+            </a:r>
+            <a:endParaRPr lang="en-US" dirty="0"/>
+          </a:p>
+        </p:txBody>
+      </p:sp>
+    </p:spTree>
+    <p:extLst>
+      <p:ext uri="{BB962C8B-B14F-4D97-AF65-F5344CB8AC3E}">
+        <p14:creationId xmlns:p14="http://schemas.microsoft.com/office/powerpoint/2010/main" val="3498236344"/>
+      </p:ext>
+    </p:extLst>
+  </p:cSld>
+  <p:clrMapOvr>
+    <a:masterClrMapping/>
+  </p:clrMapOvr>
+  <mc:AlternateContent xmlns:mc="http://schemas.openxmlformats.org/markup-compatibility/2006">
+    <mc:Choice xmlns:p14="http://schemas.microsoft.com/office/powerpoint/2010/main" Requires="p14">
+      <p:transition spd="med" p14:dur="700">
+        <p:fade/>
+      </p:transition>
+    </mc:Choice>
+    <mc:Fallback>
+      <p:transition spd="med">
+        <p:fade/>
+      </p:transition>
+    </mc:Fallback>
+  </mc:AlternateContent>
+</p:sld>
+</file>
+
 <file path=ppt/theme/theme1.xml><?xml version="1.0" encoding="utf-8"?>
 <a:theme xmlns:a="http://schemas.openxmlformats.org/drawingml/2006/main" name="Continental Europe 16x9">
   <a:themeElements>

--- a/Leertaken/SLM2/Cloud service presentatie.pptx
+++ b/Leertaken/SLM2/Cloud service presentatie.pptx
@@ -5,10 +5,10 @@
     <p:sldMasterId id="2147483648" r:id="rId2"/>
   </p:sldMasterIdLst>
   <p:notesMasterIdLst>
-    <p:notesMasterId r:id="rId11"/>
+    <p:notesMasterId r:id="rId13"/>
   </p:notesMasterIdLst>
   <p:handoutMasterIdLst>
-    <p:handoutMasterId r:id="rId12"/>
+    <p:handoutMasterId r:id="rId14"/>
   </p:handoutMasterIdLst>
   <p:sldIdLst>
     <p:sldId id="256" r:id="rId3"/>
@@ -17,8 +17,10 @@
     <p:sldId id="273" r:id="rId6"/>
     <p:sldId id="274" r:id="rId7"/>
     <p:sldId id="265" r:id="rId8"/>
-    <p:sldId id="275" r:id="rId9"/>
-    <p:sldId id="276" r:id="rId10"/>
+    <p:sldId id="277" r:id="rId9"/>
+    <p:sldId id="278" r:id="rId10"/>
+    <p:sldId id="275" r:id="rId11"/>
+    <p:sldId id="276" r:id="rId12"/>
   </p:sldIdLst>
   <p:sldSz cx="12188825" cy="6858000"/>
   <p:notesSz cx="6858000" cy="9144000"/>
@@ -232,7 +234,7 @@
           <a:p>
             <a:fld id="{128FCA9C-FF92-4024-BDEC-A6D3B663DC09}" type="datetimeFigureOut">
               <a:rPr lang="en-US"/>
-              <a:t>16/6/2014</a:t>
+              <a:t>17/6/2014</a:t>
             </a:fld>
             <a:endParaRPr/>
           </a:p>
@@ -397,7 +399,7 @@
           <a:p>
             <a:fld id="{772AB877-E7B1-4681-847E-D0918612832B}" type="datetimeFigureOut">
               <a:rPr lang="en-US"/>
-              <a:t>16/6/2014</a:t>
+              <a:t>17/6/2014</a:t>
             </a:fld>
             <a:endParaRPr/>
           </a:p>
@@ -701,6 +703,258 @@
             <p:ph type="sldImg"/>
           </p:nvPr>
         </p:nvSpPr>
+        <p:spPr/>
+      </p:sp>
+      <p:sp>
+        <p:nvSpPr>
+          <p:cNvPr id="3" name="Notes Placeholder 2"/>
+          <p:cNvSpPr>
+            <a:spLocks noGrp="1"/>
+          </p:cNvSpPr>
+          <p:nvPr>
+            <p:ph type="body" idx="1"/>
+          </p:nvPr>
+        </p:nvSpPr>
+        <p:spPr/>
+        <p:txBody>
+          <a:bodyPr/>
+          <a:lstStyle/>
+          <a:p>
+            <a:endParaRPr lang="en-US"/>
+          </a:p>
+        </p:txBody>
+      </p:sp>
+      <p:sp>
+        <p:nvSpPr>
+          <p:cNvPr id="4" name="Slide Number Placeholder 3"/>
+          <p:cNvSpPr>
+            <a:spLocks noGrp="1"/>
+          </p:cNvSpPr>
+          <p:nvPr>
+            <p:ph type="sldNum" sz="quarter" idx="10"/>
+          </p:nvPr>
+        </p:nvSpPr>
+        <p:spPr/>
+        <p:txBody>
+          <a:bodyPr/>
+          <a:lstStyle/>
+          <a:p>
+            <a:fld id="{69C971FF-EF28-4195-A575-329446EFAA55}" type="slidenum">
+              <a:rPr lang="en-US" smtClean="0"/>
+              <a:t>1</a:t>
+            </a:fld>
+            <a:endParaRPr lang="en-US"/>
+          </a:p>
+        </p:txBody>
+      </p:sp>
+    </p:spTree>
+    <p:extLst>
+      <p:ext uri="{BB962C8B-B14F-4D97-AF65-F5344CB8AC3E}">
+        <p14:creationId xmlns:p14="http://schemas.microsoft.com/office/powerpoint/2010/main" val="2926346022"/>
+      </p:ext>
+    </p:extLst>
+  </p:cSld>
+  <p:clrMapOvr>
+    <a:masterClrMapping/>
+  </p:clrMapOvr>
+</p:notes>
+</file>
+
+<file path=ppt/notesSlides/notesSlide2.xml><?xml version="1.0" encoding="utf-8"?>
+<p:notes xmlns:a="http://schemas.openxmlformats.org/drawingml/2006/main" xmlns:r="http://schemas.openxmlformats.org/officeDocument/2006/relationships" xmlns:p="http://schemas.openxmlformats.org/presentationml/2006/main">
+  <p:cSld>
+    <p:spTree>
+      <p:nvGrpSpPr>
+        <p:cNvPr id="1" name=""/>
+        <p:cNvGrpSpPr/>
+        <p:nvPr/>
+      </p:nvGrpSpPr>
+      <p:grpSpPr>
+        <a:xfrm>
+          <a:off x="0" y="0"/>
+          <a:ext cx="0" cy="0"/>
+          <a:chOff x="0" y="0"/>
+          <a:chExt cx="0" cy="0"/>
+        </a:xfrm>
+      </p:grpSpPr>
+      <p:sp>
+        <p:nvSpPr>
+          <p:cNvPr id="2" name="Slide Image Placeholder 1"/>
+          <p:cNvSpPr>
+            <a:spLocks noGrp="1" noRot="1" noChangeAspect="1"/>
+          </p:cNvSpPr>
+          <p:nvPr>
+            <p:ph type="sldImg"/>
+          </p:nvPr>
+        </p:nvSpPr>
+        <p:spPr/>
+      </p:sp>
+      <p:sp>
+        <p:nvSpPr>
+          <p:cNvPr id="3" name="Notes Placeholder 2"/>
+          <p:cNvSpPr>
+            <a:spLocks noGrp="1"/>
+          </p:cNvSpPr>
+          <p:nvPr>
+            <p:ph type="body" idx="1"/>
+          </p:nvPr>
+        </p:nvSpPr>
+        <p:spPr/>
+        <p:txBody>
+          <a:bodyPr/>
+          <a:lstStyle/>
+          <a:p>
+            <a:endParaRPr lang="en-US"/>
+          </a:p>
+        </p:txBody>
+      </p:sp>
+      <p:sp>
+        <p:nvSpPr>
+          <p:cNvPr id="4" name="Slide Number Placeholder 3"/>
+          <p:cNvSpPr>
+            <a:spLocks noGrp="1"/>
+          </p:cNvSpPr>
+          <p:nvPr>
+            <p:ph type="sldNum" sz="quarter" idx="10"/>
+          </p:nvPr>
+        </p:nvSpPr>
+        <p:spPr/>
+        <p:txBody>
+          <a:bodyPr/>
+          <a:lstStyle/>
+          <a:p>
+            <a:fld id="{69C971FF-EF28-4195-A575-329446EFAA55}" type="slidenum">
+              <a:rPr lang="en-US" smtClean="0"/>
+              <a:t>2</a:t>
+            </a:fld>
+            <a:endParaRPr lang="en-US"/>
+          </a:p>
+        </p:txBody>
+      </p:sp>
+    </p:spTree>
+    <p:extLst>
+      <p:ext uri="{BB962C8B-B14F-4D97-AF65-F5344CB8AC3E}">
+        <p14:creationId xmlns:p14="http://schemas.microsoft.com/office/powerpoint/2010/main" val="1424385773"/>
+      </p:ext>
+    </p:extLst>
+  </p:cSld>
+  <p:clrMapOvr>
+    <a:masterClrMapping/>
+  </p:clrMapOvr>
+</p:notes>
+</file>
+
+<file path=ppt/notesSlides/notesSlide3.xml><?xml version="1.0" encoding="utf-8"?>
+<p:notes xmlns:a="http://schemas.openxmlformats.org/drawingml/2006/main" xmlns:r="http://schemas.openxmlformats.org/officeDocument/2006/relationships" xmlns:p="http://schemas.openxmlformats.org/presentationml/2006/main">
+  <p:cSld>
+    <p:spTree>
+      <p:nvGrpSpPr>
+        <p:cNvPr id="1" name=""/>
+        <p:cNvGrpSpPr/>
+        <p:nvPr/>
+      </p:nvGrpSpPr>
+      <p:grpSpPr>
+        <a:xfrm>
+          <a:off x="0" y="0"/>
+          <a:ext cx="0" cy="0"/>
+          <a:chOff x="0" y="0"/>
+          <a:chExt cx="0" cy="0"/>
+        </a:xfrm>
+      </p:grpSpPr>
+      <p:sp>
+        <p:nvSpPr>
+          <p:cNvPr id="2" name="Slide Image Placeholder 1"/>
+          <p:cNvSpPr>
+            <a:spLocks noGrp="1" noRot="1" noChangeAspect="1"/>
+          </p:cNvSpPr>
+          <p:nvPr>
+            <p:ph type="sldImg"/>
+          </p:nvPr>
+        </p:nvSpPr>
+        <p:spPr/>
+      </p:sp>
+      <p:sp>
+        <p:nvSpPr>
+          <p:cNvPr id="3" name="Notes Placeholder 2"/>
+          <p:cNvSpPr>
+            <a:spLocks noGrp="1"/>
+          </p:cNvSpPr>
+          <p:nvPr>
+            <p:ph type="body" idx="1"/>
+          </p:nvPr>
+        </p:nvSpPr>
+        <p:spPr/>
+        <p:txBody>
+          <a:bodyPr/>
+          <a:lstStyle/>
+          <a:p>
+            <a:endParaRPr lang="en-US" dirty="0"/>
+          </a:p>
+        </p:txBody>
+      </p:sp>
+      <p:sp>
+        <p:nvSpPr>
+          <p:cNvPr id="4" name="Slide Number Placeholder 3"/>
+          <p:cNvSpPr>
+            <a:spLocks noGrp="1"/>
+          </p:cNvSpPr>
+          <p:nvPr>
+            <p:ph type="sldNum" sz="quarter" idx="10"/>
+          </p:nvPr>
+        </p:nvSpPr>
+        <p:spPr/>
+        <p:txBody>
+          <a:bodyPr/>
+          <a:lstStyle/>
+          <a:p>
+            <a:fld id="{69C971FF-EF28-4195-A575-329446EFAA55}" type="slidenum">
+              <a:rPr lang="en-US" smtClean="0"/>
+              <a:t>3</a:t>
+            </a:fld>
+            <a:endParaRPr lang="en-US"/>
+          </a:p>
+        </p:txBody>
+      </p:sp>
+    </p:spTree>
+    <p:extLst>
+      <p:ext uri="{BB962C8B-B14F-4D97-AF65-F5344CB8AC3E}">
+        <p14:creationId xmlns:p14="http://schemas.microsoft.com/office/powerpoint/2010/main" val="894426389"/>
+      </p:ext>
+    </p:extLst>
+  </p:cSld>
+  <p:clrMapOvr>
+    <a:masterClrMapping/>
+  </p:clrMapOvr>
+</p:notes>
+</file>
+
+<file path=ppt/notesSlides/notesSlide4.xml><?xml version="1.0" encoding="utf-8"?>
+<p:notes xmlns:a="http://schemas.openxmlformats.org/drawingml/2006/main" xmlns:r="http://schemas.openxmlformats.org/officeDocument/2006/relationships" xmlns:p="http://schemas.openxmlformats.org/presentationml/2006/main">
+  <p:cSld>
+    <p:spTree>
+      <p:nvGrpSpPr>
+        <p:cNvPr id="1" name=""/>
+        <p:cNvGrpSpPr/>
+        <p:nvPr/>
+      </p:nvGrpSpPr>
+      <p:grpSpPr>
+        <a:xfrm>
+          <a:off x="0" y="0"/>
+          <a:ext cx="0" cy="0"/>
+          <a:chOff x="0" y="0"/>
+          <a:chExt cx="0" cy="0"/>
+        </a:xfrm>
+      </p:grpSpPr>
+      <p:sp>
+        <p:nvSpPr>
+          <p:cNvPr id="2" name="Slide Image Placeholder 1"/>
+          <p:cNvSpPr>
+            <a:spLocks noGrp="1" noRot="1" noChangeAspect="1"/>
+          </p:cNvSpPr>
+          <p:nvPr>
+            <p:ph type="sldImg"/>
+          </p:nvPr>
+        </p:nvSpPr>
         <p:spPr>
           <a:xfrm>
             <a:off x="382588" y="685800"/>
@@ -763,7 +1017,91 @@
 </p:notes>
 </file>
 
-<file path=ppt/notesSlides/notesSlide2.xml><?xml version="1.0" encoding="utf-8"?>
+<file path=ppt/notesSlides/notesSlide5.xml><?xml version="1.0" encoding="utf-8"?>
+<p:notes xmlns:a="http://schemas.openxmlformats.org/drawingml/2006/main" xmlns:r="http://schemas.openxmlformats.org/officeDocument/2006/relationships" xmlns:p="http://schemas.openxmlformats.org/presentationml/2006/main">
+  <p:cSld>
+    <p:spTree>
+      <p:nvGrpSpPr>
+        <p:cNvPr id="1" name=""/>
+        <p:cNvGrpSpPr/>
+        <p:nvPr/>
+      </p:nvGrpSpPr>
+      <p:grpSpPr>
+        <a:xfrm>
+          <a:off x="0" y="0"/>
+          <a:ext cx="0" cy="0"/>
+          <a:chOff x="0" y="0"/>
+          <a:chExt cx="0" cy="0"/>
+        </a:xfrm>
+      </p:grpSpPr>
+      <p:sp>
+        <p:nvSpPr>
+          <p:cNvPr id="2" name="Slide Image Placeholder 1"/>
+          <p:cNvSpPr>
+            <a:spLocks noGrp="1" noRot="1" noChangeAspect="1"/>
+          </p:cNvSpPr>
+          <p:nvPr>
+            <p:ph type="sldImg"/>
+          </p:nvPr>
+        </p:nvSpPr>
+        <p:spPr/>
+      </p:sp>
+      <p:sp>
+        <p:nvSpPr>
+          <p:cNvPr id="3" name="Notes Placeholder 2"/>
+          <p:cNvSpPr>
+            <a:spLocks noGrp="1"/>
+          </p:cNvSpPr>
+          <p:nvPr>
+            <p:ph type="body" idx="1"/>
+          </p:nvPr>
+        </p:nvSpPr>
+        <p:spPr/>
+        <p:txBody>
+          <a:bodyPr/>
+          <a:lstStyle/>
+          <a:p>
+            <a:endParaRPr lang="en-US"/>
+          </a:p>
+        </p:txBody>
+      </p:sp>
+      <p:sp>
+        <p:nvSpPr>
+          <p:cNvPr id="4" name="Slide Number Placeholder 3"/>
+          <p:cNvSpPr>
+            <a:spLocks noGrp="1"/>
+          </p:cNvSpPr>
+          <p:nvPr>
+            <p:ph type="sldNum" sz="quarter" idx="10"/>
+          </p:nvPr>
+        </p:nvSpPr>
+        <p:spPr/>
+        <p:txBody>
+          <a:bodyPr/>
+          <a:lstStyle/>
+          <a:p>
+            <a:fld id="{69C971FF-EF28-4195-A575-329446EFAA55}" type="slidenum">
+              <a:rPr lang="en-US" smtClean="0"/>
+              <a:t>5</a:t>
+            </a:fld>
+            <a:endParaRPr lang="en-US"/>
+          </a:p>
+        </p:txBody>
+      </p:sp>
+    </p:spTree>
+    <p:extLst>
+      <p:ext uri="{BB962C8B-B14F-4D97-AF65-F5344CB8AC3E}">
+        <p14:creationId xmlns:p14="http://schemas.microsoft.com/office/powerpoint/2010/main" val="2852590328"/>
+      </p:ext>
+    </p:extLst>
+  </p:cSld>
+  <p:clrMapOvr>
+    <a:masterClrMapping/>
+  </p:clrMapOvr>
+</p:notes>
+</file>
+
+<file path=ppt/notesSlides/notesSlide6.xml><?xml version="1.0" encoding="utf-8"?>
 <p:notes xmlns:a="http://schemas.openxmlformats.org/drawingml/2006/main" xmlns:r="http://schemas.openxmlformats.org/officeDocument/2006/relationships" xmlns:p="http://schemas.openxmlformats.org/presentationml/2006/main">
   <p:cSld>
     <p:spTree>
@@ -860,6 +1198,275 @@
     <p:extLst>
       <p:ext uri="{BB962C8B-B14F-4D97-AF65-F5344CB8AC3E}">
         <p14:creationId xmlns:p14="http://schemas.microsoft.com/office/powerpoint/2010/main" val="169998990"/>
+      </p:ext>
+    </p:extLst>
+  </p:cSld>
+  <p:clrMapOvr>
+    <a:masterClrMapping/>
+  </p:clrMapOvr>
+</p:notes>
+</file>
+
+<file path=ppt/notesSlides/notesSlide7.xml><?xml version="1.0" encoding="utf-8"?>
+<p:notes xmlns:a="http://schemas.openxmlformats.org/drawingml/2006/main" xmlns:r="http://schemas.openxmlformats.org/officeDocument/2006/relationships" xmlns:p="http://schemas.openxmlformats.org/presentationml/2006/main">
+  <p:cSld>
+    <p:spTree>
+      <p:nvGrpSpPr>
+        <p:cNvPr id="1" name=""/>
+        <p:cNvGrpSpPr/>
+        <p:nvPr/>
+      </p:nvGrpSpPr>
+      <p:grpSpPr>
+        <a:xfrm>
+          <a:off x="0" y="0"/>
+          <a:ext cx="0" cy="0"/>
+          <a:chOff x="0" y="0"/>
+          <a:chExt cx="0" cy="0"/>
+        </a:xfrm>
+      </p:grpSpPr>
+      <p:sp>
+        <p:nvSpPr>
+          <p:cNvPr id="2" name="Slide Image Placeholder 1"/>
+          <p:cNvSpPr>
+            <a:spLocks noGrp="1" noRot="1" noChangeAspect="1"/>
+          </p:cNvSpPr>
+          <p:nvPr>
+            <p:ph type="sldImg"/>
+          </p:nvPr>
+        </p:nvSpPr>
+        <p:spPr/>
+      </p:sp>
+      <p:sp>
+        <p:nvSpPr>
+          <p:cNvPr id="3" name="Notes Placeholder 2"/>
+          <p:cNvSpPr>
+            <a:spLocks noGrp="1"/>
+          </p:cNvSpPr>
+          <p:nvPr>
+            <p:ph type="body" idx="1"/>
+          </p:nvPr>
+        </p:nvSpPr>
+        <p:spPr/>
+        <p:txBody>
+          <a:bodyPr/>
+          <a:lstStyle/>
+          <a:p>
+            <a:endParaRPr lang="en-US"/>
+          </a:p>
+        </p:txBody>
+      </p:sp>
+      <p:sp>
+        <p:nvSpPr>
+          <p:cNvPr id="4" name="Slide Number Placeholder 3"/>
+          <p:cNvSpPr>
+            <a:spLocks noGrp="1"/>
+          </p:cNvSpPr>
+          <p:nvPr>
+            <p:ph type="sldNum" sz="quarter" idx="10"/>
+          </p:nvPr>
+        </p:nvSpPr>
+        <p:spPr/>
+        <p:txBody>
+          <a:bodyPr/>
+          <a:lstStyle/>
+          <a:p>
+            <a:fld id="{69C971FF-EF28-4195-A575-329446EFAA55}" type="slidenum">
+              <a:rPr lang="en-US" smtClean="0"/>
+              <a:t>7</a:t>
+            </a:fld>
+            <a:endParaRPr lang="en-US"/>
+          </a:p>
+        </p:txBody>
+      </p:sp>
+    </p:spTree>
+    <p:extLst>
+      <p:ext uri="{BB962C8B-B14F-4D97-AF65-F5344CB8AC3E}">
+        <p14:creationId xmlns:p14="http://schemas.microsoft.com/office/powerpoint/2010/main" val="1190169986"/>
+      </p:ext>
+    </p:extLst>
+  </p:cSld>
+  <p:clrMapOvr>
+    <a:masterClrMapping/>
+  </p:clrMapOvr>
+</p:notes>
+</file>
+
+<file path=ppt/notesSlides/notesSlide8.xml><?xml version="1.0" encoding="utf-8"?>
+<p:notes xmlns:a="http://schemas.openxmlformats.org/drawingml/2006/main" xmlns:r="http://schemas.openxmlformats.org/officeDocument/2006/relationships" xmlns:p="http://schemas.openxmlformats.org/presentationml/2006/main">
+  <p:cSld>
+    <p:spTree>
+      <p:nvGrpSpPr>
+        <p:cNvPr id="1" name=""/>
+        <p:cNvGrpSpPr/>
+        <p:nvPr/>
+      </p:nvGrpSpPr>
+      <p:grpSpPr>
+        <a:xfrm>
+          <a:off x="0" y="0"/>
+          <a:ext cx="0" cy="0"/>
+          <a:chOff x="0" y="0"/>
+          <a:chExt cx="0" cy="0"/>
+        </a:xfrm>
+      </p:grpSpPr>
+      <p:sp>
+        <p:nvSpPr>
+          <p:cNvPr id="2" name="Slide Image Placeholder 1"/>
+          <p:cNvSpPr>
+            <a:spLocks noGrp="1" noRot="1" noChangeAspect="1"/>
+          </p:cNvSpPr>
+          <p:nvPr>
+            <p:ph type="sldImg"/>
+          </p:nvPr>
+        </p:nvSpPr>
+        <p:spPr/>
+      </p:sp>
+      <p:sp>
+        <p:nvSpPr>
+          <p:cNvPr id="3" name="Notes Placeholder 2"/>
+          <p:cNvSpPr>
+            <a:spLocks noGrp="1"/>
+          </p:cNvSpPr>
+          <p:nvPr>
+            <p:ph type="body" idx="1"/>
+          </p:nvPr>
+        </p:nvSpPr>
+        <p:spPr/>
+        <p:txBody>
+          <a:bodyPr/>
+          <a:lstStyle/>
+          <a:p>
+            <a:pPr marL="0" marR="0" indent="0" algn="l" defTabSz="914400" rtl="0" eaLnBrk="1" fontAlgn="auto" latinLnBrk="0" hangingPunct="1">
+              <a:lnSpc>
+                <a:spcPct val="100000"/>
+              </a:lnSpc>
+              <a:spcBef>
+                <a:spcPts val="0"/>
+              </a:spcBef>
+              <a:spcAft>
+                <a:spcPts val="0"/>
+              </a:spcAft>
+              <a:buClrTx/>
+              <a:buSzTx/>
+              <a:buFontTx/>
+              <a:buNone/>
+              <a:tabLst/>
+              <a:defRPr/>
+            </a:pPr>
+            <a:endParaRPr lang="en-US" dirty="0" smtClean="0"/>
+          </a:p>
+        </p:txBody>
+      </p:sp>
+      <p:sp>
+        <p:nvSpPr>
+          <p:cNvPr id="4" name="Slide Number Placeholder 3"/>
+          <p:cNvSpPr>
+            <a:spLocks noGrp="1"/>
+          </p:cNvSpPr>
+          <p:nvPr>
+            <p:ph type="sldNum" sz="quarter" idx="10"/>
+          </p:nvPr>
+        </p:nvSpPr>
+        <p:spPr/>
+        <p:txBody>
+          <a:bodyPr/>
+          <a:lstStyle/>
+          <a:p>
+            <a:fld id="{69C971FF-EF28-4195-A575-329446EFAA55}" type="slidenum">
+              <a:rPr lang="en-US" smtClean="0"/>
+              <a:t>9</a:t>
+            </a:fld>
+            <a:endParaRPr lang="en-US"/>
+          </a:p>
+        </p:txBody>
+      </p:sp>
+    </p:spTree>
+    <p:extLst>
+      <p:ext uri="{BB962C8B-B14F-4D97-AF65-F5344CB8AC3E}">
+        <p14:creationId xmlns:p14="http://schemas.microsoft.com/office/powerpoint/2010/main" val="3401095558"/>
+      </p:ext>
+    </p:extLst>
+  </p:cSld>
+  <p:clrMapOvr>
+    <a:masterClrMapping/>
+  </p:clrMapOvr>
+</p:notes>
+</file>
+
+<file path=ppt/notesSlides/notesSlide9.xml><?xml version="1.0" encoding="utf-8"?>
+<p:notes xmlns:a="http://schemas.openxmlformats.org/drawingml/2006/main" xmlns:r="http://schemas.openxmlformats.org/officeDocument/2006/relationships" xmlns:p="http://schemas.openxmlformats.org/presentationml/2006/main">
+  <p:cSld>
+    <p:spTree>
+      <p:nvGrpSpPr>
+        <p:cNvPr id="1" name=""/>
+        <p:cNvGrpSpPr/>
+        <p:nvPr/>
+      </p:nvGrpSpPr>
+      <p:grpSpPr>
+        <a:xfrm>
+          <a:off x="0" y="0"/>
+          <a:ext cx="0" cy="0"/>
+          <a:chOff x="0" y="0"/>
+          <a:chExt cx="0" cy="0"/>
+        </a:xfrm>
+      </p:grpSpPr>
+      <p:sp>
+        <p:nvSpPr>
+          <p:cNvPr id="2" name="Slide Image Placeholder 1"/>
+          <p:cNvSpPr>
+            <a:spLocks noGrp="1" noRot="1" noChangeAspect="1"/>
+          </p:cNvSpPr>
+          <p:nvPr>
+            <p:ph type="sldImg"/>
+          </p:nvPr>
+        </p:nvSpPr>
+        <p:spPr/>
+      </p:sp>
+      <p:sp>
+        <p:nvSpPr>
+          <p:cNvPr id="3" name="Notes Placeholder 2"/>
+          <p:cNvSpPr>
+            <a:spLocks noGrp="1"/>
+          </p:cNvSpPr>
+          <p:nvPr>
+            <p:ph type="body" idx="1"/>
+          </p:nvPr>
+        </p:nvSpPr>
+        <p:spPr/>
+        <p:txBody>
+          <a:bodyPr/>
+          <a:lstStyle/>
+          <a:p>
+            <a:endParaRPr lang="en-US" dirty="0"/>
+          </a:p>
+        </p:txBody>
+      </p:sp>
+      <p:sp>
+        <p:nvSpPr>
+          <p:cNvPr id="4" name="Slide Number Placeholder 3"/>
+          <p:cNvSpPr>
+            <a:spLocks noGrp="1"/>
+          </p:cNvSpPr>
+          <p:nvPr>
+            <p:ph type="sldNum" sz="quarter" idx="10"/>
+          </p:nvPr>
+        </p:nvSpPr>
+        <p:spPr/>
+        <p:txBody>
+          <a:bodyPr/>
+          <a:lstStyle/>
+          <a:p>
+            <a:fld id="{69C971FF-EF28-4195-A575-329446EFAA55}" type="slidenum">
+              <a:rPr lang="en-US" smtClean="0"/>
+              <a:t>10</a:t>
+            </a:fld>
+            <a:endParaRPr lang="en-US"/>
+          </a:p>
+        </p:txBody>
+      </p:sp>
+    </p:spTree>
+    <p:extLst>
+      <p:ext uri="{BB962C8B-B14F-4D97-AF65-F5344CB8AC3E}">
+        <p14:creationId xmlns:p14="http://schemas.microsoft.com/office/powerpoint/2010/main" val="2271032884"/>
       </p:ext>
     </p:extLst>
   </p:cSld>
@@ -43809,7 +44416,7 @@
           <a:p>
             <a:fld id="{EDF33987-6305-4E2A-BF18-EF013ECE927B}" type="datetimeFigureOut">
               <a:rPr lang="en-US"/>
-              <a:t>16/6/2014</a:t>
+              <a:t>17/6/2014</a:t>
             </a:fld>
             <a:endParaRPr/>
           </a:p>
@@ -44024,7 +44631,7 @@
           <a:p>
             <a:fld id="{EDF33987-6305-4E2A-BF18-EF013ECE927B}" type="datetimeFigureOut">
               <a:rPr lang="en-US"/>
-              <a:t>16/6/2014</a:t>
+              <a:t>17/6/2014</a:t>
             </a:fld>
             <a:endParaRPr/>
           </a:p>
@@ -44229,7 +44836,7 @@
           <a:p>
             <a:fld id="{EDF33987-6305-4E2A-BF18-EF013ECE927B}" type="datetimeFigureOut">
               <a:rPr lang="en-US"/>
-              <a:t>16/6/2014</a:t>
+              <a:t>17/6/2014</a:t>
             </a:fld>
             <a:endParaRPr/>
           </a:p>
@@ -44497,7 +45104,7 @@
           <a:p>
             <a:fld id="{EDF33987-6305-4E2A-BF18-EF013ECE927B}" type="datetimeFigureOut">
               <a:rPr lang="en-US"/>
-              <a:t>16/6/2014</a:t>
+              <a:t>17/6/2014</a:t>
             </a:fld>
             <a:endParaRPr/>
           </a:p>
@@ -44808,7 +45415,7 @@
           <a:p>
             <a:fld id="{EDF33987-6305-4E2A-BF18-EF013ECE927B}" type="datetimeFigureOut">
               <a:rPr lang="en-US"/>
-              <a:t>16/6/2014</a:t>
+              <a:t>17/6/2014</a:t>
             </a:fld>
             <a:endParaRPr/>
           </a:p>
@@ -45271,7 +45878,7 @@
           <a:p>
             <a:fld id="{EDF33987-6305-4E2A-BF18-EF013ECE927B}" type="datetimeFigureOut">
               <a:rPr lang="en-US"/>
-              <a:t>16/6/2014</a:t>
+              <a:t>17/6/2014</a:t>
             </a:fld>
             <a:endParaRPr/>
           </a:p>
@@ -45408,7 +46015,7 @@
           <a:p>
             <a:fld id="{EDF33987-6305-4E2A-BF18-EF013ECE927B}" type="datetimeFigureOut">
               <a:rPr lang="en-US"/>
-              <a:t>16/6/2014</a:t>
+              <a:t>17/6/2014</a:t>
             </a:fld>
             <a:endParaRPr/>
           </a:p>
@@ -45522,7 +46129,7 @@
           <a:p>
             <a:fld id="{EDF33987-6305-4E2A-BF18-EF013ECE927B}" type="datetimeFigureOut">
               <a:rPr lang="en-US"/>
-              <a:t>16/6/2014</a:t>
+              <a:t>17/6/2014</a:t>
             </a:fld>
             <a:endParaRPr/>
           </a:p>
@@ -45896,7 +46503,7 @@
           <a:p>
             <a:fld id="{EDF33987-6305-4E2A-BF18-EF013ECE927B}" type="datetimeFigureOut">
               <a:rPr lang="en-US"/>
-              <a:t>16/6/2014</a:t>
+              <a:t>17/6/2014</a:t>
             </a:fld>
             <a:endParaRPr/>
           </a:p>
@@ -46263,7 +46870,7 @@
           <a:p>
             <a:fld id="{EDF33987-6305-4E2A-BF18-EF013ECE927B}" type="datetimeFigureOut">
               <a:rPr lang="en-US"/>
-              <a:t>16/6/2014</a:t>
+              <a:t>17/6/2014</a:t>
             </a:fld>
             <a:endParaRPr/>
           </a:p>
@@ -46518,7 +47125,7 @@
             <a:fld id="{EDF33987-6305-4E2A-BF18-EF013ECE927B}" type="datetimeFigureOut">
               <a:rPr lang="en-US"/>
               <a:pPr/>
-              <a:t>16/6/2014</a:t>
+              <a:t>17/6/2014</a:t>
             </a:fld>
             <a:endParaRPr/>
           </a:p>
@@ -47050,7 +47657,7 @@
             </a:r>
             <a:r>
               <a:rPr lang="en-US" dirty="0" smtClean="0"/>
-              <a:t> en </a:t>
+              <a:t>, </a:t>
             </a:r>
             <a:r>
               <a:rPr lang="en-US" dirty="0" err="1" smtClean="0"/>
@@ -47060,7 +47667,6 @@
               <a:rPr lang="en-US" dirty="0" smtClean="0"/>
               <a:t>.</a:t>
             </a:r>
-            <a:endParaRPr lang="en-US" dirty="0" smtClean="0"/>
           </a:p>
         </p:txBody>
       </p:sp>
@@ -47093,6 +47699,71 @@
       </p:par>
     </p:tnLst>
   </p:timing>
+</p:sld>
+</file>
+
+<file path=ppt/slides/slide10.xml><?xml version="1.0" encoding="utf-8"?>
+<p:sld xmlns:a="http://schemas.openxmlformats.org/drawingml/2006/main" xmlns:r="http://schemas.openxmlformats.org/officeDocument/2006/relationships" xmlns:p="http://schemas.openxmlformats.org/presentationml/2006/main">
+  <p:cSld>
+    <p:spTree>
+      <p:nvGrpSpPr>
+        <p:cNvPr id="1" name=""/>
+        <p:cNvGrpSpPr/>
+        <p:nvPr/>
+      </p:nvGrpSpPr>
+      <p:grpSpPr>
+        <a:xfrm>
+          <a:off x="0" y="0"/>
+          <a:ext cx="0" cy="0"/>
+          <a:chOff x="0" y="0"/>
+          <a:chExt cx="0" cy="0"/>
+        </a:xfrm>
+      </p:grpSpPr>
+      <p:sp>
+        <p:nvSpPr>
+          <p:cNvPr id="2" name="Title 1"/>
+          <p:cNvSpPr>
+            <a:spLocks noGrp="1"/>
+          </p:cNvSpPr>
+          <p:nvPr>
+            <p:ph type="title"/>
+          </p:nvPr>
+        </p:nvSpPr>
+        <p:spPr/>
+        <p:txBody>
+          <a:bodyPr/>
+          <a:lstStyle/>
+          <a:p>
+            <a:r>
+              <a:rPr lang="nl-NL" dirty="0" smtClean="0"/>
+              <a:t>Vragen?</a:t>
+            </a:r>
+            <a:endParaRPr lang="en-US" dirty="0"/>
+          </a:p>
+        </p:txBody>
+      </p:sp>
+    </p:spTree>
+    <p:extLst>
+      <p:ext uri="{BB962C8B-B14F-4D97-AF65-F5344CB8AC3E}">
+        <p14:creationId xmlns:p14="http://schemas.microsoft.com/office/powerpoint/2010/main" val="3498236344"/>
+      </p:ext>
+    </p:extLst>
+  </p:cSld>
+  <p:clrMapOvr>
+    <a:masterClrMapping/>
+  </p:clrMapOvr>
+  <mc:AlternateContent xmlns:mc="http://schemas.openxmlformats.org/markup-compatibility/2006" xmlns:p14="http://schemas.microsoft.com/office/powerpoint/2010/main">
+    <mc:Choice Requires="p14">
+      <p:transition spd="med" p14:dur="700">
+        <p:fade/>
+      </p:transition>
+    </mc:Choice>
+    <mc:Fallback xmlns="">
+      <p:transition spd="med">
+        <p:fade/>
+      </p:transition>
+    </mc:Fallback>
+  </mc:AlternateContent>
 </p:sld>
 </file>
 
@@ -47186,6 +47857,19 @@
               <a:rPr lang="nl-NL" dirty="0" smtClean="0"/>
               <a:t>Voorbeeldsituatie</a:t>
             </a:r>
+          </a:p>
+          <a:p>
+            <a:r>
+              <a:rPr lang="nl-NL" dirty="0" smtClean="0"/>
+              <a:t>Service Desk</a:t>
+            </a:r>
+          </a:p>
+          <a:p>
+            <a:r>
+              <a:rPr lang="nl-NL" dirty="0" smtClean="0"/>
+              <a:t>Kostenplaatje</a:t>
+            </a:r>
+            <a:endParaRPr lang="nl-NL" dirty="0" smtClean="0"/>
           </a:p>
           <a:p>
             <a:r>
@@ -47345,7 +48029,7 @@
           <p:nvPr/>
         </p:nvPicPr>
         <p:blipFill>
-          <a:blip r:embed="rId2">
+          <a:blip r:embed="rId3">
             <a:extLst>
               <a:ext uri="{28A0092B-C50C-407E-A947-70E740481C1C}">
                 <a14:useLocalDpi xmlns:a14="http://schemas.microsoft.com/office/drawing/2010/main" val="0"/>
@@ -47395,15 +48079,7 @@
               <a:srgbClr val="FFFFFF"/>
             </a:contourClr>
           </a:sp3d>
-          <a:extLst>
-            <a:ext uri="{909E8E84-426E-40DD-AFC4-6F175D3DCCD1}">
-              <a14:hiddenFill xmlns:a14="http://schemas.microsoft.com/office/drawing/2010/main">
-                <a:solidFill>
-                  <a:srgbClr val="FFFFFF"/>
-                </a:solidFill>
-              </a14:hiddenFill>
-            </a:ext>
-          </a:extLst>
+          <a:extLst/>
         </p:spPr>
       </p:pic>
     </p:spTree>
@@ -47683,7 +48359,7 @@
         </p:nvSpPr>
         <p:spPr>
           <a:xfrm>
-            <a:off x="1233280" y="1676400"/>
+            <a:off x="1233279" y="1981200"/>
             <a:ext cx="4708734" cy="3733800"/>
           </a:xfrm>
         </p:spPr>
@@ -47708,15 +48384,21 @@
             <a:pPr lvl="1"/>
             <a:r>
               <a:rPr lang="nl-NL" dirty="0" smtClean="0"/>
-              <a:t>Inefficiënte overdracht</a:t>
+              <a:t>Inefficiënte </a:t>
             </a:r>
+            <a:r>
+              <a:rPr lang="nl-NL" dirty="0" smtClean="0"/>
+              <a:t>overdracht van gegevens</a:t>
+            </a:r>
+            <a:endParaRPr lang="nl-NL" dirty="0" smtClean="0"/>
           </a:p>
           <a:p>
             <a:pPr lvl="1"/>
             <a:r>
               <a:rPr lang="nl-NL" dirty="0" smtClean="0"/>
-              <a:t>Kunnen kapot</a:t>
+              <a:t>Gaan vaak kapot</a:t>
             </a:r>
+            <a:endParaRPr lang="nl-NL" dirty="0" smtClean="0"/>
           </a:p>
           <a:p>
             <a:endParaRPr lang="nl-NL" dirty="0" smtClean="0"/>
@@ -47735,7 +48417,7 @@
         </p:nvSpPr>
         <p:spPr>
           <a:xfrm>
-            <a:off x="6262480" y="1676400"/>
+            <a:off x="6262479" y="1981200"/>
             <a:ext cx="4708734" cy="3733800"/>
           </a:xfrm>
         </p:spPr>
@@ -47791,7 +48473,7 @@
         </p:nvSpPr>
         <p:spPr>
           <a:xfrm>
-            <a:off x="1217615" y="990600"/>
+            <a:off x="1217614" y="1295400"/>
             <a:ext cx="4724399" cy="424732"/>
           </a:xfrm>
           <a:prstGeom prst="rect">
@@ -47834,7 +48516,7 @@
         </p:nvSpPr>
         <p:spPr>
           <a:xfrm>
-            <a:off x="6246815" y="990600"/>
+            <a:off x="6246814" y="1295400"/>
             <a:ext cx="4724399" cy="424732"/>
           </a:xfrm>
           <a:prstGeom prst="rect">
@@ -47937,11 +48619,20 @@
           <a:bodyPr/>
           <a:lstStyle/>
           <a:p>
+            <a:pPr algn="ctr"/>
             <a:r>
-              <a:rPr lang="nl-NL" cap="none" dirty="0" smtClean="0"/>
+              <a:rPr lang="nl-NL" cap="none" dirty="0" smtClean="0">
+                <a:solidFill>
+                  <a:srgbClr val="C00000"/>
+                </a:solidFill>
+              </a:rPr>
               <a:t>Huidige situatie.</a:t>
             </a:r>
-            <a:endParaRPr lang="en-US" cap="none" dirty="0"/>
+            <a:endParaRPr lang="en-US" cap="none" dirty="0">
+              <a:solidFill>
+                <a:srgbClr val="C00000"/>
+              </a:solidFill>
+            </a:endParaRPr>
           </a:p>
         </p:txBody>
       </p:sp>
@@ -48019,10 +48710,22 @@
           <a:lstStyle/>
           <a:p>
             <a:r>
-              <a:rPr lang="nl-NL" cap="none" dirty="0" smtClean="0"/>
+              <a:rPr lang="nl-NL" cap="none" dirty="0" smtClean="0">
+                <a:solidFill>
+                  <a:schemeClr val="accent1">
+                    <a:lumMod val="75000"/>
+                  </a:schemeClr>
+                </a:solidFill>
+              </a:rPr>
               <a:t>Cloud.</a:t>
             </a:r>
-            <a:endParaRPr lang="en-US" cap="none" dirty="0"/>
+            <a:endParaRPr lang="en-US" cap="none" dirty="0">
+              <a:solidFill>
+                <a:schemeClr val="accent1">
+                  <a:lumMod val="75000"/>
+                </a:schemeClr>
+              </a:solidFill>
+            </a:endParaRPr>
           </a:p>
         </p:txBody>
       </p:sp>
@@ -48056,7 +48759,11 @@
             </a:r>
             <a:r>
               <a:rPr lang="nl-NL" dirty="0" smtClean="0"/>
-              <a:t> en heeft toegang tot gegevens via Cloud. </a:t>
+              <a:t>/3G/4G </a:t>
+            </a:r>
+            <a:r>
+              <a:rPr lang="nl-NL" dirty="0" smtClean="0"/>
+              <a:t>en heeft toegang tot gegevens via Cloud. </a:t>
             </a:r>
           </a:p>
           <a:p>
@@ -48196,6 +48903,354 @@
           <a:p>
             <a:r>
               <a:rPr lang="nl-NL" dirty="0" smtClean="0"/>
+              <a:t>Service desk</a:t>
+            </a:r>
+            <a:endParaRPr lang="en-US" dirty="0"/>
+          </a:p>
+        </p:txBody>
+      </p:sp>
+      <p:sp>
+        <p:nvSpPr>
+          <p:cNvPr id="4" name="Content Placeholder 3"/>
+          <p:cNvSpPr>
+            <a:spLocks noGrp="1"/>
+          </p:cNvSpPr>
+          <p:nvPr>
+            <p:ph sz="half" idx="2"/>
+          </p:nvPr>
+        </p:nvSpPr>
+        <p:spPr>
+          <a:xfrm>
+            <a:off x="1217614" y="1600200"/>
+            <a:ext cx="9753600" cy="4571999"/>
+          </a:xfrm>
+        </p:spPr>
+        <p:txBody>
+          <a:bodyPr/>
+          <a:lstStyle/>
+          <a:p>
+            <a:r>
+              <a:rPr lang="nl-NL" dirty="0" smtClean="0"/>
+              <a:t>Ter ondersteuning van de Cloud-dienst.</a:t>
+            </a:r>
+          </a:p>
+          <a:p>
+            <a:r>
+              <a:rPr lang="nl-NL" dirty="0" smtClean="0"/>
+              <a:t>Maandag tot vrijdag beschikbaar van 8:00 tot 17:30.</a:t>
+            </a:r>
+          </a:p>
+          <a:p>
+            <a:endParaRPr lang="en-US" dirty="0"/>
+          </a:p>
+        </p:txBody>
+      </p:sp>
+      <p:pic>
+        <p:nvPicPr>
+          <p:cNvPr id="1028" name="Picture 4" descr="http://blog.gssinfotech.com/wp-content/uploads/2012/05/help-desk-outsourcing1.jpg"/>
+          <p:cNvPicPr>
+            <a:picLocks noChangeAspect="1" noChangeArrowheads="1"/>
+          </p:cNvPicPr>
+          <p:nvPr/>
+        </p:nvPicPr>
+        <p:blipFill>
+          <a:blip r:embed="rId3">
+            <a:extLst>
+              <a:ext uri="{28A0092B-C50C-407E-A947-70E740481C1C}">
+                <a14:useLocalDpi xmlns:a14="http://schemas.microsoft.com/office/drawing/2010/main" val="0"/>
+              </a:ext>
+            </a:extLst>
+          </a:blip>
+          <a:srcRect/>
+          <a:stretch>
+            <a:fillRect/>
+          </a:stretch>
+        </p:blipFill>
+        <p:spPr bwMode="auto">
+          <a:xfrm>
+            <a:off x="1446212" y="2538410"/>
+            <a:ext cx="5029200" cy="3348857"/>
+          </a:xfrm>
+          <a:prstGeom prst="rect">
+            <a:avLst/>
+          </a:prstGeom>
+          <a:noFill/>
+          <a:extLst>
+            <a:ext uri="{909E8E84-426E-40DD-AFC4-6F175D3DCCD1}">
+              <a14:hiddenFill xmlns:a14="http://schemas.microsoft.com/office/drawing/2010/main">
+                <a:solidFill>
+                  <a:srgbClr val="FFFFFF"/>
+                </a:solidFill>
+              </a14:hiddenFill>
+            </a:ext>
+          </a:extLst>
+        </p:spPr>
+      </p:pic>
+    </p:spTree>
+    <p:extLst>
+      <p:ext uri="{BB962C8B-B14F-4D97-AF65-F5344CB8AC3E}">
+        <p14:creationId xmlns:p14="http://schemas.microsoft.com/office/powerpoint/2010/main" val="1773378474"/>
+      </p:ext>
+    </p:extLst>
+  </p:cSld>
+  <p:clrMapOvr>
+    <a:masterClrMapping/>
+  </p:clrMapOvr>
+  <mc:AlternateContent xmlns:mc="http://schemas.openxmlformats.org/markup-compatibility/2006">
+    <mc:Choice xmlns:p14="http://schemas.microsoft.com/office/powerpoint/2010/main" Requires="p14">
+      <p:transition spd="med" p14:dur="700">
+        <p:fade/>
+      </p:transition>
+    </mc:Choice>
+    <mc:Fallback>
+      <p:transition spd="med">
+        <p:fade/>
+      </p:transition>
+    </mc:Fallback>
+  </mc:AlternateContent>
+</p:sld>
+</file>
+
+<file path=ppt/slides/slide8.xml><?xml version="1.0" encoding="utf-8"?>
+<p:sld xmlns:a="http://schemas.openxmlformats.org/drawingml/2006/main" xmlns:r="http://schemas.openxmlformats.org/officeDocument/2006/relationships" xmlns:p="http://schemas.openxmlformats.org/presentationml/2006/main">
+  <p:cSld>
+    <p:spTree>
+      <p:nvGrpSpPr>
+        <p:cNvPr id="1" name=""/>
+        <p:cNvGrpSpPr/>
+        <p:nvPr/>
+      </p:nvGrpSpPr>
+      <p:grpSpPr>
+        <a:xfrm>
+          <a:off x="0" y="0"/>
+          <a:ext cx="0" cy="0"/>
+          <a:chOff x="0" y="0"/>
+          <a:chExt cx="0" cy="0"/>
+        </a:xfrm>
+      </p:grpSpPr>
+      <p:sp>
+        <p:nvSpPr>
+          <p:cNvPr id="2" name="Title 1"/>
+          <p:cNvSpPr>
+            <a:spLocks noGrp="1"/>
+          </p:cNvSpPr>
+          <p:nvPr>
+            <p:ph type="title"/>
+          </p:nvPr>
+        </p:nvSpPr>
+        <p:spPr>
+          <a:xfrm>
+            <a:off x="1217614" y="274638"/>
+            <a:ext cx="9753600" cy="792162"/>
+          </a:xfrm>
+        </p:spPr>
+        <p:txBody>
+          <a:bodyPr/>
+          <a:lstStyle/>
+          <a:p>
+            <a:r>
+              <a:rPr lang="nl-NL" dirty="0" smtClean="0"/>
+              <a:t>Kostenplaatje</a:t>
+            </a:r>
+            <a:endParaRPr lang="en-US" dirty="0"/>
+          </a:p>
+        </p:txBody>
+      </p:sp>
+      <p:sp>
+        <p:nvSpPr>
+          <p:cNvPr id="3" name="Text Placeholder 2"/>
+          <p:cNvSpPr>
+            <a:spLocks noGrp="1"/>
+          </p:cNvSpPr>
+          <p:nvPr>
+            <p:ph type="body" idx="1"/>
+          </p:nvPr>
+        </p:nvSpPr>
+        <p:spPr>
+          <a:xfrm>
+            <a:off x="1217614" y="1409698"/>
+            <a:ext cx="4709160" cy="838201"/>
+          </a:xfrm>
+        </p:spPr>
+        <p:txBody>
+          <a:bodyPr/>
+          <a:lstStyle/>
+          <a:p>
+            <a:r>
+              <a:rPr lang="nl-NL" dirty="0" smtClean="0"/>
+              <a:t>Eenmalig</a:t>
+            </a:r>
+            <a:endParaRPr lang="en-US" dirty="0"/>
+          </a:p>
+        </p:txBody>
+      </p:sp>
+      <p:sp>
+        <p:nvSpPr>
+          <p:cNvPr id="4" name="Content Placeholder 3"/>
+          <p:cNvSpPr>
+            <a:spLocks noGrp="1"/>
+          </p:cNvSpPr>
+          <p:nvPr>
+            <p:ph sz="half" idx="2"/>
+          </p:nvPr>
+        </p:nvSpPr>
+        <p:spPr>
+          <a:xfrm>
+            <a:off x="1217614" y="2247898"/>
+            <a:ext cx="4709160" cy="3428999"/>
+          </a:xfrm>
+        </p:spPr>
+        <p:txBody>
+          <a:bodyPr/>
+          <a:lstStyle/>
+          <a:p>
+            <a:r>
+              <a:rPr lang="nl-NL" dirty="0" smtClean="0">
+                <a:solidFill>
+                  <a:schemeClr val="accent2">
+                    <a:lumMod val="75000"/>
+                  </a:schemeClr>
+                </a:solidFill>
+              </a:rPr>
+              <a:t>€15.000,-</a:t>
+            </a:r>
+            <a:endParaRPr lang="en-US" dirty="0">
+              <a:solidFill>
+                <a:schemeClr val="accent2">
+                  <a:lumMod val="75000"/>
+                </a:schemeClr>
+              </a:solidFill>
+            </a:endParaRPr>
+          </a:p>
+        </p:txBody>
+      </p:sp>
+      <p:sp>
+        <p:nvSpPr>
+          <p:cNvPr id="5" name="Text Placeholder 4"/>
+          <p:cNvSpPr>
+            <a:spLocks noGrp="1"/>
+          </p:cNvSpPr>
+          <p:nvPr>
+            <p:ph type="body" sz="quarter" idx="3"/>
+          </p:nvPr>
+        </p:nvSpPr>
+        <p:spPr>
+          <a:xfrm>
+            <a:off x="6264948" y="1409697"/>
+            <a:ext cx="4709160" cy="838201"/>
+          </a:xfrm>
+        </p:spPr>
+        <p:txBody>
+          <a:bodyPr/>
+          <a:lstStyle/>
+          <a:p>
+            <a:r>
+              <a:rPr lang="nl-NL" dirty="0" smtClean="0"/>
+              <a:t>Maandelijks</a:t>
+            </a:r>
+            <a:endParaRPr lang="en-US" dirty="0"/>
+          </a:p>
+        </p:txBody>
+      </p:sp>
+      <p:sp>
+        <p:nvSpPr>
+          <p:cNvPr id="6" name="Content Placeholder 5"/>
+          <p:cNvSpPr>
+            <a:spLocks noGrp="1"/>
+          </p:cNvSpPr>
+          <p:nvPr>
+            <p:ph sz="quarter" idx="4"/>
+          </p:nvPr>
+        </p:nvSpPr>
+        <p:spPr>
+          <a:xfrm>
+            <a:off x="6262054" y="2247897"/>
+            <a:ext cx="4709160" cy="3428999"/>
+          </a:xfrm>
+        </p:spPr>
+        <p:txBody>
+          <a:bodyPr/>
+          <a:lstStyle/>
+          <a:p>
+            <a:r>
+              <a:rPr lang="nl-NL" dirty="0" smtClean="0">
+                <a:solidFill>
+                  <a:schemeClr val="accent2">
+                    <a:lumMod val="75000"/>
+                  </a:schemeClr>
+                </a:solidFill>
+              </a:rPr>
+              <a:t>€1.500,-</a:t>
+            </a:r>
+            <a:endParaRPr lang="en-US" dirty="0">
+              <a:solidFill>
+                <a:schemeClr val="accent2">
+                  <a:lumMod val="75000"/>
+                </a:schemeClr>
+              </a:solidFill>
+            </a:endParaRPr>
+          </a:p>
+        </p:txBody>
+      </p:sp>
+    </p:spTree>
+    <p:extLst>
+      <p:ext uri="{BB962C8B-B14F-4D97-AF65-F5344CB8AC3E}">
+        <p14:creationId xmlns:p14="http://schemas.microsoft.com/office/powerpoint/2010/main" val="3648059458"/>
+      </p:ext>
+    </p:extLst>
+  </p:cSld>
+  <p:clrMapOvr>
+    <a:masterClrMapping/>
+  </p:clrMapOvr>
+  <mc:AlternateContent xmlns:mc="http://schemas.openxmlformats.org/markup-compatibility/2006">
+    <mc:Choice xmlns:p14="http://schemas.microsoft.com/office/powerpoint/2010/main" Requires="p14">
+      <p:transition spd="med" p14:dur="700">
+        <p:fade/>
+      </p:transition>
+    </mc:Choice>
+    <mc:Fallback>
+      <p:transition spd="med">
+        <p:fade/>
+      </p:transition>
+    </mc:Fallback>
+  </mc:AlternateContent>
+</p:sld>
+</file>
+
+<file path=ppt/slides/slide9.xml><?xml version="1.0" encoding="utf-8"?>
+<p:sld xmlns:a="http://schemas.openxmlformats.org/drawingml/2006/main" xmlns:r="http://schemas.openxmlformats.org/officeDocument/2006/relationships" xmlns:p="http://schemas.openxmlformats.org/presentationml/2006/main">
+  <p:cSld>
+    <p:spTree>
+      <p:nvGrpSpPr>
+        <p:cNvPr id="1" name=""/>
+        <p:cNvGrpSpPr/>
+        <p:nvPr/>
+      </p:nvGrpSpPr>
+      <p:grpSpPr>
+        <a:xfrm>
+          <a:off x="0" y="0"/>
+          <a:ext cx="0" cy="0"/>
+          <a:chOff x="0" y="0"/>
+          <a:chExt cx="0" cy="0"/>
+        </a:xfrm>
+      </p:grpSpPr>
+      <p:sp>
+        <p:nvSpPr>
+          <p:cNvPr id="2" name="Title 1"/>
+          <p:cNvSpPr>
+            <a:spLocks noGrp="1"/>
+          </p:cNvSpPr>
+          <p:nvPr>
+            <p:ph type="title"/>
+          </p:nvPr>
+        </p:nvSpPr>
+        <p:spPr/>
+        <p:txBody>
+          <a:bodyPr/>
+          <a:lstStyle/>
+          <a:p>
+            <a:r>
+              <a:rPr lang="nl-NL" dirty="0" smtClean="0"/>
               <a:t>Conclusie</a:t>
             </a:r>
             <a:endParaRPr lang="en-US" dirty="0"/>
@@ -48266,78 +49321,13 @@
   <p:clrMapOvr>
     <a:masterClrMapping/>
   </p:clrMapOvr>
-  <mc:AlternateContent xmlns:mc="http://schemas.openxmlformats.org/markup-compatibility/2006">
-    <mc:Choice xmlns:p14="http://schemas.microsoft.com/office/powerpoint/2010/main" Requires="p14">
+  <mc:AlternateContent xmlns:mc="http://schemas.openxmlformats.org/markup-compatibility/2006" xmlns:p14="http://schemas.microsoft.com/office/powerpoint/2010/main">
+    <mc:Choice Requires="p14">
       <p:transition spd="med" p14:dur="700">
         <p:fade/>
       </p:transition>
     </mc:Choice>
-    <mc:Fallback>
-      <p:transition spd="med">
-        <p:fade/>
-      </p:transition>
-    </mc:Fallback>
-  </mc:AlternateContent>
-</p:sld>
-</file>
-
-<file path=ppt/slides/slide8.xml><?xml version="1.0" encoding="utf-8"?>
-<p:sld xmlns:a="http://schemas.openxmlformats.org/drawingml/2006/main" xmlns:r="http://schemas.openxmlformats.org/officeDocument/2006/relationships" xmlns:p="http://schemas.openxmlformats.org/presentationml/2006/main">
-  <p:cSld>
-    <p:spTree>
-      <p:nvGrpSpPr>
-        <p:cNvPr id="1" name=""/>
-        <p:cNvGrpSpPr/>
-        <p:nvPr/>
-      </p:nvGrpSpPr>
-      <p:grpSpPr>
-        <a:xfrm>
-          <a:off x="0" y="0"/>
-          <a:ext cx="0" cy="0"/>
-          <a:chOff x="0" y="0"/>
-          <a:chExt cx="0" cy="0"/>
-        </a:xfrm>
-      </p:grpSpPr>
-      <p:sp>
-        <p:nvSpPr>
-          <p:cNvPr id="2" name="Title 1"/>
-          <p:cNvSpPr>
-            <a:spLocks noGrp="1"/>
-          </p:cNvSpPr>
-          <p:nvPr>
-            <p:ph type="title"/>
-          </p:nvPr>
-        </p:nvSpPr>
-        <p:spPr/>
-        <p:txBody>
-          <a:bodyPr/>
-          <a:lstStyle/>
-          <a:p>
-            <a:r>
-              <a:rPr lang="nl-NL" dirty="0" smtClean="0"/>
-              <a:t>Vragen?</a:t>
-            </a:r>
-            <a:endParaRPr lang="en-US" dirty="0"/>
-          </a:p>
-        </p:txBody>
-      </p:sp>
-    </p:spTree>
-    <p:extLst>
-      <p:ext uri="{BB962C8B-B14F-4D97-AF65-F5344CB8AC3E}">
-        <p14:creationId xmlns:p14="http://schemas.microsoft.com/office/powerpoint/2010/main" val="3498236344"/>
-      </p:ext>
-    </p:extLst>
-  </p:cSld>
-  <p:clrMapOvr>
-    <a:masterClrMapping/>
-  </p:clrMapOvr>
-  <mc:AlternateContent xmlns:mc="http://schemas.openxmlformats.org/markup-compatibility/2006">
-    <mc:Choice xmlns:p14="http://schemas.microsoft.com/office/powerpoint/2010/main" Requires="p14">
-      <p:transition spd="med" p14:dur="700">
-        <p:fade/>
-      </p:transition>
-    </mc:Choice>
-    <mc:Fallback>
+    <mc:Fallback xmlns="">
       <p:transition spd="med">
         <p:fade/>
       </p:transition>

--- a/Leertaken/SLM2/Cloud service presentatie.pptx
+++ b/Leertaken/SLM2/Cloud service presentatie.pptx
@@ -47869,7 +47869,6 @@
               <a:rPr lang="nl-NL" dirty="0" smtClean="0"/>
               <a:t>Kostenplaatje</a:t>
             </a:r>
-            <a:endParaRPr lang="nl-NL" dirty="0" smtClean="0"/>
           </a:p>
           <a:p>
             <a:r>
@@ -48384,13 +48383,8 @@
             <a:pPr lvl="1"/>
             <a:r>
               <a:rPr lang="nl-NL" dirty="0" smtClean="0"/>
-              <a:t>Inefficiënte </a:t>
+              <a:t>Inefficiënte overdracht van gegevens</a:t>
             </a:r>
-            <a:r>
-              <a:rPr lang="nl-NL" dirty="0" smtClean="0"/>
-              <a:t>overdracht van gegevens</a:t>
-            </a:r>
-            <a:endParaRPr lang="nl-NL" dirty="0" smtClean="0"/>
           </a:p>
           <a:p>
             <a:pPr lvl="1"/>
@@ -48398,7 +48392,6 @@
               <a:rPr lang="nl-NL" dirty="0" smtClean="0"/>
               <a:t>Gaan vaak kapot</a:t>
             </a:r>
-            <a:endParaRPr lang="nl-NL" dirty="0" smtClean="0"/>
           </a:p>
           <a:p>
             <a:endParaRPr lang="nl-NL" dirty="0" smtClean="0"/>
@@ -48759,11 +48752,7 @@
             </a:r>
             <a:r>
               <a:rPr lang="nl-NL" dirty="0" smtClean="0"/>
-              <a:t>/3G/4G </a:t>
-            </a:r>
-            <a:r>
-              <a:rPr lang="nl-NL" dirty="0" smtClean="0"/>
-              <a:t>en heeft toegang tot gegevens via Cloud. </a:t>
+              <a:t>/3G/4G en heeft toegang tot gegevens via Cloud. </a:t>
             </a:r>
           </a:p>
           <a:p>
@@ -48996,13 +48985,13 @@
   <p:clrMapOvr>
     <a:masterClrMapping/>
   </p:clrMapOvr>
-  <mc:AlternateContent xmlns:mc="http://schemas.openxmlformats.org/markup-compatibility/2006">
-    <mc:Choice xmlns:p14="http://schemas.microsoft.com/office/powerpoint/2010/main" Requires="p14">
+  <mc:AlternateContent xmlns:mc="http://schemas.openxmlformats.org/markup-compatibility/2006" xmlns:p14="http://schemas.microsoft.com/office/powerpoint/2010/main">
+    <mc:Choice Requires="p14">
       <p:transition spd="med" p14:dur="700">
         <p:fade/>
       </p:transition>
     </mc:Choice>
-    <mc:Fallback>
+    <mc:Fallback xmlns="">
       <p:transition spd="med">
         <p:fade/>
       </p:transition>
@@ -49069,7 +49058,7 @@
         <p:spPr>
           <a:xfrm>
             <a:off x="1217614" y="1409698"/>
-            <a:ext cx="4709160" cy="838201"/>
+            <a:ext cx="3276598" cy="838201"/>
           </a:xfrm>
         </p:spPr>
         <p:txBody>
@@ -49078,7 +49067,11 @@
           <a:p>
             <a:r>
               <a:rPr lang="nl-NL" dirty="0" smtClean="0"/>
-              <a:t>Eenmalig</a:t>
+              <a:t>Eenmalige </a:t>
+            </a:r>
+            <a:r>
+              <a:rPr lang="nl-NL" dirty="0" smtClean="0"/>
+              <a:t>kosten</a:t>
             </a:r>
             <a:endParaRPr lang="en-US" dirty="0"/>
           </a:p>
@@ -49097,28 +49090,26 @@
         <p:spPr>
           <a:xfrm>
             <a:off x="1217614" y="2247898"/>
-            <a:ext cx="4709160" cy="3428999"/>
+            <a:ext cx="1752598" cy="571502"/>
           </a:xfrm>
         </p:spPr>
         <p:txBody>
-          <a:bodyPr/>
+          <a:bodyPr>
+            <a:normAutofit/>
+          </a:bodyPr>
           <a:lstStyle/>
           <a:p>
             <a:r>
               <a:rPr lang="nl-NL" dirty="0" smtClean="0">
                 <a:solidFill>
-                  <a:schemeClr val="accent2">
-                    <a:lumMod val="75000"/>
-                  </a:schemeClr>
+                  <a:schemeClr val="tx2"/>
                 </a:solidFill>
               </a:rPr>
               <a:t>€15.000,-</a:t>
             </a:r>
             <a:endParaRPr lang="en-US" dirty="0">
               <a:solidFill>
-                <a:schemeClr val="accent2">
-                  <a:lumMod val="75000"/>
-                </a:schemeClr>
+                <a:schemeClr val="tx2"/>
               </a:solidFill>
             </a:endParaRPr>
           </a:p>
@@ -49136,8 +49127,8 @@
         </p:nvSpPr>
         <p:spPr>
           <a:xfrm>
-            <a:off x="6264948" y="1409697"/>
-            <a:ext cx="4709160" cy="838201"/>
+            <a:off x="4572512" y="1420899"/>
+            <a:ext cx="3886200" cy="838201"/>
           </a:xfrm>
         </p:spPr>
         <p:txBody>
@@ -49146,7 +49137,11 @@
           <a:p>
             <a:r>
               <a:rPr lang="nl-NL" dirty="0" smtClean="0"/>
-              <a:t>Maandelijks</a:t>
+              <a:t>Maandelijkse </a:t>
+            </a:r>
+            <a:r>
+              <a:rPr lang="nl-NL" dirty="0" err="1" smtClean="0"/>
+              <a:t>KOsten</a:t>
             </a:r>
             <a:endParaRPr lang="en-US" dirty="0"/>
           </a:p>
@@ -49164,8 +49159,8 @@
         </p:nvSpPr>
         <p:spPr>
           <a:xfrm>
-            <a:off x="6262054" y="2247897"/>
-            <a:ext cx="4709160" cy="3428999"/>
+            <a:off x="4569618" y="2259100"/>
+            <a:ext cx="1450694" cy="1629340"/>
           </a:xfrm>
         </p:spPr>
         <p:txBody>
@@ -49180,12 +49175,503 @@
                   </a:schemeClr>
                 </a:solidFill>
               </a:rPr>
-              <a:t>€1.500,-</a:t>
+              <a:t>€1.500</a:t>
+            </a:r>
+            <a:r>
+              <a:rPr lang="nl-NL" dirty="0" smtClean="0">
+                <a:solidFill>
+                  <a:schemeClr val="accent2">
+                    <a:lumMod val="75000"/>
+                  </a:schemeClr>
+                </a:solidFill>
+              </a:rPr>
+              <a:t>,-</a:t>
+            </a:r>
+          </a:p>
+          <a:p>
+            <a:r>
+              <a:rPr lang="nl-NL" dirty="0" smtClean="0">
+                <a:solidFill>
+                  <a:schemeClr val="bg2">
+                    <a:lumMod val="50000"/>
+                  </a:schemeClr>
+                </a:solidFill>
+              </a:rPr>
+              <a:t>€1.330,-</a:t>
+            </a:r>
+          </a:p>
+          <a:p>
+            <a:r>
+              <a:rPr lang="nl-NL" dirty="0" smtClean="0">
+                <a:solidFill>
+                  <a:schemeClr val="accent4">
+                    <a:lumMod val="50000"/>
+                  </a:schemeClr>
+                </a:solidFill>
+              </a:rPr>
+              <a:t>€1.066,-</a:t>
             </a:r>
             <a:endParaRPr lang="en-US" dirty="0">
               <a:solidFill>
+                <a:schemeClr val="accent4">
+                  <a:lumMod val="50000"/>
+                </a:schemeClr>
+              </a:solidFill>
+            </a:endParaRPr>
+          </a:p>
+        </p:txBody>
+      </p:sp>
+      <p:sp>
+        <p:nvSpPr>
+          <p:cNvPr id="7" name="Text Placeholder 4"/>
+          <p:cNvSpPr txBox="1">
+            <a:spLocks/>
+          </p:cNvSpPr>
+          <p:nvPr/>
+        </p:nvSpPr>
+        <p:spPr>
+          <a:xfrm>
+            <a:off x="8761412" y="1409696"/>
+            <a:ext cx="2267864" cy="838201"/>
+          </a:xfrm>
+          <a:prstGeom prst="rect">
+            <a:avLst/>
+          </a:prstGeom>
+        </p:spPr>
+        <p:txBody>
+          <a:bodyPr vert="horz" lIns="91440" tIns="45720" rIns="91440" bIns="45720" rtlCol="0" anchor="ctr">
+            <a:normAutofit/>
+          </a:bodyPr>
+          <a:lstStyle>
+            <a:lvl1pPr marL="0" indent="0" algn="l" defTabSz="914400" rtl="0" eaLnBrk="1" latinLnBrk="0" hangingPunct="1">
+              <a:lnSpc>
+                <a:spcPct val="90000"/>
+              </a:lnSpc>
+              <a:spcBef>
+                <a:spcPts val="0"/>
+              </a:spcBef>
+              <a:buClr>
+                <a:schemeClr val="tx1"/>
+              </a:buClr>
+              <a:buSzPct val="80000"/>
+              <a:buFont typeface="Arial" pitchFamily="34" charset="0"/>
+              <a:buNone/>
+              <a:defRPr sz="2400" b="0" kern="1200" cap="all" baseline="0">
+                <a:solidFill>
+                  <a:schemeClr val="tx1">
+                    <a:lumMod val="50000"/>
+                  </a:schemeClr>
+                </a:solidFill>
+                <a:latin typeface="+mn-lt"/>
+                <a:ea typeface="+mn-ea"/>
+                <a:cs typeface="+mn-cs"/>
+              </a:defRPr>
+            </a:lvl1pPr>
+            <a:lvl2pPr marL="457200" indent="0" algn="l" defTabSz="914400" rtl="0" eaLnBrk="1" latinLnBrk="0" hangingPunct="1">
+              <a:lnSpc>
+                <a:spcPct val="90000"/>
+              </a:lnSpc>
+              <a:spcBef>
+                <a:spcPts val="600"/>
+              </a:spcBef>
+              <a:buClr>
+                <a:schemeClr val="tx1"/>
+              </a:buClr>
+              <a:buSzPct val="80000"/>
+              <a:buFont typeface="Arial" pitchFamily="34" charset="0"/>
+              <a:buNone/>
+              <a:defRPr sz="2000" b="1" kern="1200">
+                <a:solidFill>
+                  <a:schemeClr val="tx1"/>
+                </a:solidFill>
+                <a:latin typeface="+mn-lt"/>
+                <a:ea typeface="+mn-ea"/>
+                <a:cs typeface="+mn-cs"/>
+              </a:defRPr>
+            </a:lvl2pPr>
+            <a:lvl3pPr marL="914400" indent="0" algn="l" defTabSz="914400" rtl="0" eaLnBrk="1" latinLnBrk="0" hangingPunct="1">
+              <a:lnSpc>
+                <a:spcPct val="90000"/>
+              </a:lnSpc>
+              <a:spcBef>
+                <a:spcPts val="600"/>
+              </a:spcBef>
+              <a:buClr>
+                <a:schemeClr val="tx1"/>
+              </a:buClr>
+              <a:buSzPct val="80000"/>
+              <a:buFont typeface="Arial" pitchFamily="34" charset="0"/>
+              <a:buNone/>
+              <a:defRPr sz="1800" b="1" kern="1200">
+                <a:solidFill>
+                  <a:schemeClr val="tx1"/>
+                </a:solidFill>
+                <a:latin typeface="+mn-lt"/>
+                <a:ea typeface="+mn-ea"/>
+                <a:cs typeface="+mn-cs"/>
+              </a:defRPr>
+            </a:lvl3pPr>
+            <a:lvl4pPr marL="1371600" indent="0" algn="l" defTabSz="914400" rtl="0" eaLnBrk="1" latinLnBrk="0" hangingPunct="1">
+              <a:lnSpc>
+                <a:spcPct val="90000"/>
+              </a:lnSpc>
+              <a:spcBef>
+                <a:spcPts val="600"/>
+              </a:spcBef>
+              <a:buClr>
+                <a:schemeClr val="tx1"/>
+              </a:buClr>
+              <a:buSzPct val="80000"/>
+              <a:buFont typeface="Arial" pitchFamily="34" charset="0"/>
+              <a:buNone/>
+              <a:defRPr sz="1600" b="1" kern="1200">
+                <a:solidFill>
+                  <a:schemeClr val="tx1"/>
+                </a:solidFill>
+                <a:latin typeface="+mn-lt"/>
+                <a:ea typeface="+mn-ea"/>
+                <a:cs typeface="+mn-cs"/>
+              </a:defRPr>
+            </a:lvl4pPr>
+            <a:lvl5pPr marL="1828800" indent="0" algn="l" defTabSz="914400" rtl="0" eaLnBrk="1" latinLnBrk="0" hangingPunct="1">
+              <a:lnSpc>
+                <a:spcPct val="90000"/>
+              </a:lnSpc>
+              <a:spcBef>
+                <a:spcPts val="600"/>
+              </a:spcBef>
+              <a:buClr>
+                <a:schemeClr val="tx1"/>
+              </a:buClr>
+              <a:buSzPct val="80000"/>
+              <a:buFont typeface="Arial" pitchFamily="34" charset="0"/>
+              <a:buNone/>
+              <a:defRPr sz="1600" b="1" kern="1200">
+                <a:solidFill>
+                  <a:schemeClr val="tx1"/>
+                </a:solidFill>
+                <a:latin typeface="+mn-lt"/>
+                <a:ea typeface="+mn-ea"/>
+                <a:cs typeface="+mn-cs"/>
+              </a:defRPr>
+            </a:lvl5pPr>
+            <a:lvl6pPr marL="2286000" indent="0" algn="l" defTabSz="914400" rtl="0" eaLnBrk="1" latinLnBrk="0" hangingPunct="1">
+              <a:spcBef>
+                <a:spcPts val="600"/>
+              </a:spcBef>
+              <a:buSzPct val="80000"/>
+              <a:buFont typeface="Arial" pitchFamily="34" charset="0"/>
+              <a:buNone/>
+              <a:defRPr sz="1600" b="1" kern="1200">
+                <a:solidFill>
+                  <a:schemeClr val="tx1"/>
+                </a:solidFill>
+                <a:latin typeface="+mn-lt"/>
+                <a:ea typeface="+mn-ea"/>
+                <a:cs typeface="+mn-cs"/>
+              </a:defRPr>
+            </a:lvl6pPr>
+            <a:lvl7pPr marL="2743200" indent="0" algn="l" defTabSz="914400" rtl="0" eaLnBrk="1" latinLnBrk="0" hangingPunct="1">
+              <a:spcBef>
+                <a:spcPts val="600"/>
+              </a:spcBef>
+              <a:buSzPct val="80000"/>
+              <a:buFont typeface="Arial" pitchFamily="34" charset="0"/>
+              <a:buNone/>
+              <a:defRPr sz="1600" b="1" kern="1200">
+                <a:solidFill>
+                  <a:schemeClr val="tx1"/>
+                </a:solidFill>
+                <a:latin typeface="+mn-lt"/>
+                <a:ea typeface="+mn-ea"/>
+                <a:cs typeface="+mn-cs"/>
+              </a:defRPr>
+            </a:lvl7pPr>
+            <a:lvl8pPr marL="3200400" indent="0" algn="l" defTabSz="914400" rtl="0" eaLnBrk="1" latinLnBrk="0" hangingPunct="1">
+              <a:spcBef>
+                <a:spcPts val="600"/>
+              </a:spcBef>
+              <a:buSzPct val="80000"/>
+              <a:buFont typeface="Arial" pitchFamily="34" charset="0"/>
+              <a:buNone/>
+              <a:defRPr sz="1600" b="1" kern="1200">
+                <a:solidFill>
+                  <a:schemeClr val="tx1"/>
+                </a:solidFill>
+                <a:latin typeface="+mn-lt"/>
+                <a:ea typeface="+mn-ea"/>
+                <a:cs typeface="+mn-cs"/>
+              </a:defRPr>
+            </a:lvl8pPr>
+            <a:lvl9pPr marL="3657600" indent="0" algn="l" defTabSz="914400" rtl="0" eaLnBrk="1" latinLnBrk="0" hangingPunct="1">
+              <a:spcBef>
+                <a:spcPts val="600"/>
+              </a:spcBef>
+              <a:buSzPct val="80000"/>
+              <a:buFont typeface="Arial" pitchFamily="34" charset="0"/>
+              <a:buNone/>
+              <a:defRPr sz="1600" b="1" kern="1200" baseline="0">
+                <a:solidFill>
+                  <a:schemeClr val="tx1"/>
+                </a:solidFill>
+                <a:latin typeface="+mn-lt"/>
+                <a:ea typeface="+mn-ea"/>
+                <a:cs typeface="+mn-cs"/>
+              </a:defRPr>
+            </a:lvl9pPr>
+          </a:lstStyle>
+          <a:p>
+            <a:r>
+              <a:rPr lang="nl-NL" dirty="0" err="1" smtClean="0"/>
+              <a:t>Uptime</a:t>
+            </a:r>
+            <a:endParaRPr lang="en-US" dirty="0"/>
+          </a:p>
+        </p:txBody>
+      </p:sp>
+      <p:sp>
+        <p:nvSpPr>
+          <p:cNvPr id="8" name="Content Placeholder 5"/>
+          <p:cNvSpPr txBox="1">
+            <a:spLocks/>
+          </p:cNvSpPr>
+          <p:nvPr/>
+        </p:nvSpPr>
+        <p:spPr>
+          <a:xfrm>
+            <a:off x="8685212" y="2256862"/>
+            <a:ext cx="2194558" cy="1629340"/>
+          </a:xfrm>
+          <a:prstGeom prst="rect">
+            <a:avLst/>
+          </a:prstGeom>
+        </p:spPr>
+        <p:txBody>
+          <a:bodyPr vert="horz" lIns="91440" tIns="45720" rIns="91440" bIns="45720" rtlCol="0">
+            <a:normAutofit/>
+          </a:bodyPr>
+          <a:lstStyle>
+            <a:lvl1pPr marL="274320" indent="-228600" algn="l" defTabSz="914400" rtl="0" eaLnBrk="1" latinLnBrk="0" hangingPunct="1">
+              <a:lnSpc>
+                <a:spcPct val="90000"/>
+              </a:lnSpc>
+              <a:spcBef>
+                <a:spcPts val="1800"/>
+              </a:spcBef>
+              <a:buClr>
+                <a:schemeClr val="tx1"/>
+              </a:buClr>
+              <a:buSzPct val="80000"/>
+              <a:buFont typeface="Arial" pitchFamily="34" charset="0"/>
+              <a:buChar char="•"/>
+              <a:defRPr sz="2000" kern="1200">
+                <a:solidFill>
+                  <a:schemeClr val="tx1"/>
+                </a:solidFill>
+                <a:latin typeface="+mn-lt"/>
+                <a:ea typeface="+mn-ea"/>
+                <a:cs typeface="+mn-cs"/>
+              </a:defRPr>
+            </a:lvl1pPr>
+            <a:lvl2pPr marL="502920" indent="-228600" algn="l" defTabSz="914400" rtl="0" eaLnBrk="1" latinLnBrk="0" hangingPunct="1">
+              <a:lnSpc>
+                <a:spcPct val="90000"/>
+              </a:lnSpc>
+              <a:spcBef>
+                <a:spcPts val="600"/>
+              </a:spcBef>
+              <a:buClr>
+                <a:schemeClr val="tx1"/>
+              </a:buClr>
+              <a:buSzPct val="80000"/>
+              <a:buFont typeface="Arial" pitchFamily="34" charset="0"/>
+              <a:buChar char="•"/>
+              <a:defRPr sz="1800" kern="1200">
+                <a:solidFill>
+                  <a:schemeClr val="tx1"/>
+                </a:solidFill>
+                <a:latin typeface="+mn-lt"/>
+                <a:ea typeface="+mn-ea"/>
+                <a:cs typeface="+mn-cs"/>
+              </a:defRPr>
+            </a:lvl2pPr>
+            <a:lvl3pPr marL="731520" indent="-228600" algn="l" defTabSz="914400" rtl="0" eaLnBrk="1" latinLnBrk="0" hangingPunct="1">
+              <a:lnSpc>
+                <a:spcPct val="90000"/>
+              </a:lnSpc>
+              <a:spcBef>
+                <a:spcPts val="600"/>
+              </a:spcBef>
+              <a:buClr>
+                <a:schemeClr val="tx1"/>
+              </a:buClr>
+              <a:buSzPct val="80000"/>
+              <a:buFont typeface="Arial" pitchFamily="34" charset="0"/>
+              <a:buChar char="•"/>
+              <a:defRPr sz="1600" kern="1200">
+                <a:solidFill>
+                  <a:schemeClr val="tx1"/>
+                </a:solidFill>
+                <a:latin typeface="+mn-lt"/>
+                <a:ea typeface="+mn-ea"/>
+                <a:cs typeface="+mn-cs"/>
+              </a:defRPr>
+            </a:lvl3pPr>
+            <a:lvl4pPr marL="960120" indent="-228600" algn="l" defTabSz="914400" rtl="0" eaLnBrk="1" latinLnBrk="0" hangingPunct="1">
+              <a:lnSpc>
+                <a:spcPct val="90000"/>
+              </a:lnSpc>
+              <a:spcBef>
+                <a:spcPts val="600"/>
+              </a:spcBef>
+              <a:buClr>
+                <a:schemeClr val="tx1"/>
+              </a:buClr>
+              <a:buSzPct val="80000"/>
+              <a:buFont typeface="Arial" pitchFamily="34" charset="0"/>
+              <a:buChar char="•"/>
+              <a:defRPr sz="1400" kern="1200">
+                <a:solidFill>
+                  <a:schemeClr val="tx1"/>
+                </a:solidFill>
+                <a:latin typeface="+mn-lt"/>
+                <a:ea typeface="+mn-ea"/>
+                <a:cs typeface="+mn-cs"/>
+              </a:defRPr>
+            </a:lvl4pPr>
+            <a:lvl5pPr marL="1188720" indent="-228600" algn="l" defTabSz="914400" rtl="0" eaLnBrk="1" latinLnBrk="0" hangingPunct="1">
+              <a:lnSpc>
+                <a:spcPct val="90000"/>
+              </a:lnSpc>
+              <a:spcBef>
+                <a:spcPts val="600"/>
+              </a:spcBef>
+              <a:buClr>
+                <a:schemeClr val="tx1"/>
+              </a:buClr>
+              <a:buSzPct val="80000"/>
+              <a:buFont typeface="Arial" pitchFamily="34" charset="0"/>
+              <a:buChar char="•"/>
+              <a:defRPr sz="1400" kern="1200">
+                <a:solidFill>
+                  <a:schemeClr val="tx1"/>
+                </a:solidFill>
+                <a:latin typeface="+mn-lt"/>
+                <a:ea typeface="+mn-ea"/>
+                <a:cs typeface="+mn-cs"/>
+              </a:defRPr>
+            </a:lvl5pPr>
+            <a:lvl6pPr marL="1417320" indent="-228600" algn="l" defTabSz="914400" rtl="0" eaLnBrk="1" latinLnBrk="0" hangingPunct="1">
+              <a:spcBef>
+                <a:spcPts val="600"/>
+              </a:spcBef>
+              <a:buSzPct val="80000"/>
+              <a:buFont typeface="Arial" pitchFamily="34" charset="0"/>
+              <a:buChar char="•"/>
+              <a:defRPr sz="1400" kern="1200">
+                <a:solidFill>
+                  <a:schemeClr val="tx1"/>
+                </a:solidFill>
+                <a:latin typeface="+mn-lt"/>
+                <a:ea typeface="+mn-ea"/>
+                <a:cs typeface="+mn-cs"/>
+              </a:defRPr>
+            </a:lvl6pPr>
+            <a:lvl7pPr marL="1645920" indent="-228600" algn="l" defTabSz="914400" rtl="0" eaLnBrk="1" latinLnBrk="0" hangingPunct="1">
+              <a:spcBef>
+                <a:spcPts val="600"/>
+              </a:spcBef>
+              <a:buSzPct val="80000"/>
+              <a:buFont typeface="Arial" pitchFamily="34" charset="0"/>
+              <a:buChar char="•"/>
+              <a:defRPr sz="1400" kern="1200">
+                <a:solidFill>
+                  <a:schemeClr val="tx1"/>
+                </a:solidFill>
+                <a:latin typeface="+mn-lt"/>
+                <a:ea typeface="+mn-ea"/>
+                <a:cs typeface="+mn-cs"/>
+              </a:defRPr>
+            </a:lvl7pPr>
+            <a:lvl8pPr marL="1874520" indent="-228600" algn="l" defTabSz="914400" rtl="0" eaLnBrk="1" latinLnBrk="0" hangingPunct="1">
+              <a:spcBef>
+                <a:spcPts val="600"/>
+              </a:spcBef>
+              <a:buSzPct val="80000"/>
+              <a:buFont typeface="Arial" pitchFamily="34" charset="0"/>
+              <a:buChar char="•"/>
+              <a:defRPr sz="1400" kern="1200" baseline="0">
+                <a:solidFill>
+                  <a:schemeClr val="tx1"/>
+                </a:solidFill>
+                <a:latin typeface="+mn-lt"/>
+                <a:ea typeface="+mn-ea"/>
+                <a:cs typeface="+mn-cs"/>
+              </a:defRPr>
+            </a:lvl8pPr>
+            <a:lvl9pPr marL="2103120" indent="-228600" algn="l" defTabSz="914400" rtl="0" eaLnBrk="1" latinLnBrk="0" hangingPunct="1">
+              <a:spcBef>
+                <a:spcPts val="600"/>
+              </a:spcBef>
+              <a:buSzPct val="80000"/>
+              <a:buFont typeface="Arial" pitchFamily="34" charset="0"/>
+              <a:buChar char="•"/>
+              <a:defRPr sz="1400" kern="1200" baseline="0">
+                <a:solidFill>
+                  <a:schemeClr val="tx1"/>
+                </a:solidFill>
+                <a:latin typeface="+mn-lt"/>
+                <a:ea typeface="+mn-ea"/>
+                <a:cs typeface="+mn-cs"/>
+              </a:defRPr>
+            </a:lvl9pPr>
+          </a:lstStyle>
+          <a:p>
+            <a:r>
+              <a:rPr lang="nl-NL" dirty="0" smtClean="0">
+                <a:solidFill>
+                  <a:schemeClr val="accent2">
+                    <a:lumMod val="75000"/>
+                  </a:schemeClr>
+                </a:solidFill>
+              </a:rPr>
+              <a:t>98%</a:t>
+            </a:r>
+            <a:endParaRPr lang="nl-NL" dirty="0">
+              <a:solidFill>
                 <a:schemeClr val="accent2">
                   <a:lumMod val="75000"/>
+                </a:schemeClr>
+              </a:solidFill>
+            </a:endParaRPr>
+          </a:p>
+          <a:p>
+            <a:r>
+              <a:rPr lang="nl-NL" dirty="0" smtClean="0">
+                <a:solidFill>
+                  <a:schemeClr val="bg2">
+                    <a:lumMod val="50000"/>
+                  </a:schemeClr>
+                </a:solidFill>
+              </a:rPr>
+              <a:t>96%</a:t>
+            </a:r>
+          </a:p>
+          <a:p>
+            <a:r>
+              <a:rPr lang="nl-NL" dirty="0" smtClean="0">
+                <a:solidFill>
+                  <a:schemeClr val="accent4">
+                    <a:lumMod val="50000"/>
+                  </a:schemeClr>
+                </a:solidFill>
+              </a:rPr>
+              <a:t>94%</a:t>
+            </a:r>
+            <a:endParaRPr lang="en-US" dirty="0">
+              <a:solidFill>
+                <a:schemeClr val="accent4">
+                  <a:lumMod val="50000"/>
                 </a:schemeClr>
               </a:solidFill>
             </a:endParaRPr>
@@ -49202,13 +49688,13 @@
   <p:clrMapOvr>
     <a:masterClrMapping/>
   </p:clrMapOvr>
-  <mc:AlternateContent xmlns:mc="http://schemas.openxmlformats.org/markup-compatibility/2006">
-    <mc:Choice xmlns:p14="http://schemas.microsoft.com/office/powerpoint/2010/main" Requires="p14">
+  <mc:AlternateContent xmlns:mc="http://schemas.openxmlformats.org/markup-compatibility/2006" xmlns:p14="http://schemas.microsoft.com/office/powerpoint/2010/main">
+    <mc:Choice Requires="p14">
       <p:transition spd="med" p14:dur="700">
         <p:fade/>
       </p:transition>
     </mc:Choice>
-    <mc:Fallback>
+    <mc:Fallback xmlns="">
       <p:transition spd="med">
         <p:fade/>
       </p:transition>
